--- a/Final_Poster_2.pptx
+++ b/Final_Poster_2.pptx
@@ -5,13 +5,13 @@
     <p:sldMasterId id="2147483648" r:id="rId1"/>
   </p:sldMasterIdLst>
   <p:notesMasterIdLst>
-    <p:notesMasterId r:id="rId4"/>
+    <p:notesMasterId r:id="rId3"/>
   </p:notesMasterIdLst>
   <p:sldIdLst>
-    <p:sldId id="256" r:id="rId3"/>
+    <p:sldId id="256" r:id="rId2"/>
   </p:sldIdLst>
-  <p:sldSz cx="42803445" cy="30274895"/>
-  <p:notesSz cx="10234295" cy="7103745"/>
+  <p:sldSz cx="42803763" cy="30275213"/>
+  <p:notesSz cx="10234613" cy="7104063"/>
   <p:defaultTextStyle>
     <a:defPPr>
       <a:defRPr lang="en-US"/>
@@ -192,6 +192,7 @@
           <a:p>
             <a:fld id="{E10C3F6B-B584-BE48-ABAE-D3A0246B3E9F}" type="datetimeFigureOut">
               <a:rPr lang="en-US" smtClean="0"/>
+              <a:t>19/07/19</a:t>
             </a:fld>
             <a:endParaRPr lang="en-US"/>
           </a:p>
@@ -258,7 +259,6 @@
               <a:rPr lang="en-US" smtClean="0"/>
               <a:t>Click to edit Master text styles</a:t>
             </a:r>
-            <a:endParaRPr lang="en-US" smtClean="0"/>
           </a:p>
           <a:p>
             <a:pPr lvl="1"/>
@@ -266,7 +266,6 @@
               <a:rPr lang="en-US" smtClean="0"/>
               <a:t>Second level</a:t>
             </a:r>
-            <a:endParaRPr lang="en-US" smtClean="0"/>
           </a:p>
           <a:p>
             <a:pPr lvl="2"/>
@@ -274,7 +273,6 @@
               <a:rPr lang="en-US" smtClean="0"/>
               <a:t>Third level</a:t>
             </a:r>
-            <a:endParaRPr lang="en-US" smtClean="0"/>
           </a:p>
           <a:p>
             <a:pPr lvl="3"/>
@@ -282,7 +280,6 @@
               <a:rPr lang="en-US" smtClean="0"/>
               <a:t>Fourth level</a:t>
             </a:r>
-            <a:endParaRPr lang="en-US" smtClean="0"/>
           </a:p>
           <a:p>
             <a:pPr lvl="4"/>
@@ -354,12 +351,18 @@
           <a:p>
             <a:fld id="{0C4A4843-4438-1A49-A7AB-F0CD2C39D966}" type="slidenum">
               <a:rPr lang="en-US" smtClean="0"/>
+              <a:t>‹#›</a:t>
             </a:fld>
             <a:endParaRPr lang="en-US"/>
           </a:p>
         </p:txBody>
       </p:sp>
     </p:spTree>
+    <p:extLst>
+      <p:ext uri="{BB962C8B-B14F-4D97-AF65-F5344CB8AC3E}">
+        <p14:creationId xmlns:p14="http://schemas.microsoft.com/office/powerpoint/2010/main" val="3927734694"/>
+      </p:ext>
+    </p:extLst>
   </p:cSld>
   <p:clrMap bg1="lt1" tx1="dk1" bg2="lt2" tx2="dk2" accent1="accent1" accent2="accent2" accent3="accent3" accent4="accent4" accent5="accent5" accent6="accent6" hlink="hlink" folHlink="folHlink"/>
   <p:notesStyle>
@@ -522,6 +525,7 @@
           <a:p>
             <a:fld id="{0C4A4843-4438-1A49-A7AB-F0CD2C39D966}" type="slidenum">
               <a:rPr lang="en-US" smtClean="0"/>
+              <a:t>1</a:t>
             </a:fld>
             <a:endParaRPr lang="en-US"/>
           </a:p>
@@ -666,6 +670,7 @@
           <a:p>
             <a:fld id="{FDE934FF-F4E1-47C5-9CA5-30A81DDE2BE4}" type="datetimeFigureOut">
               <a:rPr lang="en-US" smtClean="0"/>
+              <a:t>19/07/19</a:t>
             </a:fld>
             <a:endParaRPr lang="en-US"/>
           </a:p>
@@ -707,6 +712,7 @@
           <a:p>
             <a:fld id="{B3561BA9-CDCF-4958-B8AB-66F3BF063E13}" type="slidenum">
               <a:rPr lang="en-US" smtClean="0"/>
+              <a:t>‹#›</a:t>
             </a:fld>
             <a:endParaRPr lang="en-US"/>
           </a:p>
@@ -762,7 +768,6 @@
               <a:rPr lang="en-US" smtClean="0"/>
               <a:t>Click to edit Master text styles</a:t>
             </a:r>
-            <a:endParaRPr lang="en-US" smtClean="0"/>
           </a:p>
           <a:p>
             <a:pPr lvl="1"/>
@@ -770,7 +775,6 @@
               <a:rPr lang="en-US" smtClean="0"/>
               <a:t>Second level</a:t>
             </a:r>
-            <a:endParaRPr lang="en-US" smtClean="0"/>
           </a:p>
           <a:p>
             <a:pPr lvl="2"/>
@@ -778,7 +782,6 @@
               <a:rPr lang="en-US" smtClean="0"/>
               <a:t>Third level</a:t>
             </a:r>
-            <a:endParaRPr lang="en-US" smtClean="0"/>
           </a:p>
           <a:p>
             <a:pPr lvl="3"/>
@@ -786,7 +789,6 @@
               <a:rPr lang="en-US" smtClean="0"/>
               <a:t>Fourth level</a:t>
             </a:r>
-            <a:endParaRPr lang="en-US" smtClean="0"/>
           </a:p>
           <a:p>
             <a:pPr lvl="4"/>
@@ -815,6 +817,7 @@
           <a:p>
             <a:fld id="{FDE934FF-F4E1-47C5-9CA5-30A81DDE2BE4}" type="datetimeFigureOut">
               <a:rPr lang="en-US" smtClean="0"/>
+              <a:t>19/07/19</a:t>
             </a:fld>
             <a:endParaRPr lang="en-US"/>
           </a:p>
@@ -856,6 +859,7 @@
           <a:p>
             <a:fld id="{B3561BA9-CDCF-4958-B8AB-66F3BF063E13}" type="slidenum">
               <a:rPr lang="en-US" smtClean="0"/>
+              <a:t>‹#›</a:t>
             </a:fld>
             <a:endParaRPr lang="en-US"/>
           </a:p>
@@ -929,7 +933,6 @@
               <a:rPr lang="en-US" smtClean="0"/>
               <a:t>Click to edit Master text styles</a:t>
             </a:r>
-            <a:endParaRPr lang="en-US" smtClean="0"/>
           </a:p>
           <a:p>
             <a:pPr lvl="1"/>
@@ -937,7 +940,6 @@
               <a:rPr lang="en-US" smtClean="0"/>
               <a:t>Second level</a:t>
             </a:r>
-            <a:endParaRPr lang="en-US" smtClean="0"/>
           </a:p>
           <a:p>
             <a:pPr lvl="2"/>
@@ -945,7 +947,6 @@
               <a:rPr lang="en-US" smtClean="0"/>
               <a:t>Third level</a:t>
             </a:r>
-            <a:endParaRPr lang="en-US" smtClean="0"/>
           </a:p>
           <a:p>
             <a:pPr lvl="3"/>
@@ -953,7 +954,6 @@
               <a:rPr lang="en-US" smtClean="0"/>
               <a:t>Fourth level</a:t>
             </a:r>
-            <a:endParaRPr lang="en-US" smtClean="0"/>
           </a:p>
           <a:p>
             <a:pPr lvl="4"/>
@@ -982,6 +982,7 @@
           <a:p>
             <a:fld id="{FDE934FF-F4E1-47C5-9CA5-30A81DDE2BE4}" type="datetimeFigureOut">
               <a:rPr lang="en-US" smtClean="0"/>
+              <a:t>19/07/19</a:t>
             </a:fld>
             <a:endParaRPr lang="en-US"/>
           </a:p>
@@ -1023,6 +1024,7 @@
           <a:p>
             <a:fld id="{B3561BA9-CDCF-4958-B8AB-66F3BF063E13}" type="slidenum">
               <a:rPr lang="en-US" smtClean="0"/>
+              <a:t>‹#›</a:t>
             </a:fld>
             <a:endParaRPr lang="en-US"/>
           </a:p>
@@ -1201,7 +1203,6 @@
               <a:rPr lang="en-US" smtClean="0"/>
               <a:t>Click to edit Master text styles</a:t>
             </a:r>
-            <a:endParaRPr lang="en-US" smtClean="0"/>
           </a:p>
         </p:txBody>
       </p:sp>
@@ -1222,6 +1223,7 @@
           <a:p>
             <a:fld id="{FDE934FF-F4E1-47C5-9CA5-30A81DDE2BE4}" type="datetimeFigureOut">
               <a:rPr lang="en-US" smtClean="0"/>
+              <a:t>19/07/19</a:t>
             </a:fld>
             <a:endParaRPr lang="en-US"/>
           </a:p>
@@ -1263,6 +1265,7 @@
           <a:p>
             <a:fld id="{B3561BA9-CDCF-4958-B8AB-66F3BF063E13}" type="slidenum">
               <a:rPr lang="en-US" smtClean="0"/>
+              <a:t>‹#›</a:t>
             </a:fld>
             <a:endParaRPr lang="en-US"/>
           </a:p>
@@ -1341,7 +1344,6 @@
               <a:rPr lang="en-US" smtClean="0"/>
               <a:t>Click to edit Master text styles</a:t>
             </a:r>
-            <a:endParaRPr lang="en-US" smtClean="0"/>
           </a:p>
           <a:p>
             <a:pPr lvl="1"/>
@@ -1349,7 +1351,6 @@
               <a:rPr lang="en-US" smtClean="0"/>
               <a:t>Second level</a:t>
             </a:r>
-            <a:endParaRPr lang="en-US" smtClean="0"/>
           </a:p>
           <a:p>
             <a:pPr lvl="2"/>
@@ -1357,7 +1358,6 @@
               <a:rPr lang="en-US" smtClean="0"/>
               <a:t>Third level</a:t>
             </a:r>
-            <a:endParaRPr lang="en-US" smtClean="0"/>
           </a:p>
           <a:p>
             <a:pPr lvl="3"/>
@@ -1365,7 +1365,6 @@
               <a:rPr lang="en-US" smtClean="0"/>
               <a:t>Fourth level</a:t>
             </a:r>
-            <a:endParaRPr lang="en-US" smtClean="0"/>
           </a:p>
           <a:p>
             <a:pPr lvl="4"/>
@@ -1402,7 +1401,6 @@
               <a:rPr lang="en-US" smtClean="0"/>
               <a:t>Click to edit Master text styles</a:t>
             </a:r>
-            <a:endParaRPr lang="en-US" smtClean="0"/>
           </a:p>
           <a:p>
             <a:pPr lvl="1"/>
@@ -1410,7 +1408,6 @@
               <a:rPr lang="en-US" smtClean="0"/>
               <a:t>Second level</a:t>
             </a:r>
-            <a:endParaRPr lang="en-US" smtClean="0"/>
           </a:p>
           <a:p>
             <a:pPr lvl="2"/>
@@ -1418,7 +1415,6 @@
               <a:rPr lang="en-US" smtClean="0"/>
               <a:t>Third level</a:t>
             </a:r>
-            <a:endParaRPr lang="en-US" smtClean="0"/>
           </a:p>
           <a:p>
             <a:pPr lvl="3"/>
@@ -1426,7 +1422,6 @@
               <a:rPr lang="en-US" smtClean="0"/>
               <a:t>Fourth level</a:t>
             </a:r>
-            <a:endParaRPr lang="en-US" smtClean="0"/>
           </a:p>
           <a:p>
             <a:pPr lvl="4"/>
@@ -1455,6 +1450,7 @@
           <a:p>
             <a:fld id="{FDE934FF-F4E1-47C5-9CA5-30A81DDE2BE4}" type="datetimeFigureOut">
               <a:rPr lang="en-US" smtClean="0"/>
+              <a:t>19/07/19</a:t>
             </a:fld>
             <a:endParaRPr lang="en-US"/>
           </a:p>
@@ -1496,6 +1492,7 @@
           <a:p>
             <a:fld id="{B3561BA9-CDCF-4958-B8AB-66F3BF063E13}" type="slidenum">
               <a:rPr lang="en-US" smtClean="0"/>
+              <a:t>‹#›</a:t>
             </a:fld>
             <a:endParaRPr lang="en-US"/>
           </a:p>
@@ -1616,7 +1613,6 @@
               <a:rPr lang="en-US" smtClean="0"/>
               <a:t>Click to edit Master text styles</a:t>
             </a:r>
-            <a:endParaRPr lang="en-US" smtClean="0"/>
           </a:p>
         </p:txBody>
       </p:sp>
@@ -1645,7 +1641,6 @@
               <a:rPr lang="en-US" smtClean="0"/>
               <a:t>Click to edit Master text styles</a:t>
             </a:r>
-            <a:endParaRPr lang="en-US" smtClean="0"/>
           </a:p>
           <a:p>
             <a:pPr lvl="1"/>
@@ -1653,7 +1648,6 @@
               <a:rPr lang="en-US" smtClean="0"/>
               <a:t>Second level</a:t>
             </a:r>
-            <a:endParaRPr lang="en-US" smtClean="0"/>
           </a:p>
           <a:p>
             <a:pPr lvl="2"/>
@@ -1661,7 +1655,6 @@
               <a:rPr lang="en-US" smtClean="0"/>
               <a:t>Third level</a:t>
             </a:r>
-            <a:endParaRPr lang="en-US" smtClean="0"/>
           </a:p>
           <a:p>
             <a:pPr lvl="3"/>
@@ -1669,7 +1662,6 @@
               <a:rPr lang="en-US" smtClean="0"/>
               <a:t>Fourth level</a:t>
             </a:r>
-            <a:endParaRPr lang="en-US" smtClean="0"/>
           </a:p>
           <a:p>
             <a:pPr lvl="4"/>
@@ -1743,7 +1735,6 @@
               <a:rPr lang="en-US" smtClean="0"/>
               <a:t>Click to edit Master text styles</a:t>
             </a:r>
-            <a:endParaRPr lang="en-US" smtClean="0"/>
           </a:p>
         </p:txBody>
       </p:sp>
@@ -1772,7 +1763,6 @@
               <a:rPr lang="en-US" smtClean="0"/>
               <a:t>Click to edit Master text styles</a:t>
             </a:r>
-            <a:endParaRPr lang="en-US" smtClean="0"/>
           </a:p>
           <a:p>
             <a:pPr lvl="1"/>
@@ -1780,7 +1770,6 @@
               <a:rPr lang="en-US" smtClean="0"/>
               <a:t>Second level</a:t>
             </a:r>
-            <a:endParaRPr lang="en-US" smtClean="0"/>
           </a:p>
           <a:p>
             <a:pPr lvl="2"/>
@@ -1788,7 +1777,6 @@
               <a:rPr lang="en-US" smtClean="0"/>
               <a:t>Third level</a:t>
             </a:r>
-            <a:endParaRPr lang="en-US" smtClean="0"/>
           </a:p>
           <a:p>
             <a:pPr lvl="3"/>
@@ -1796,7 +1784,6 @@
               <a:rPr lang="en-US" smtClean="0"/>
               <a:t>Fourth level</a:t>
             </a:r>
-            <a:endParaRPr lang="en-US" smtClean="0"/>
           </a:p>
           <a:p>
             <a:pPr lvl="4"/>
@@ -1825,6 +1812,7 @@
           <a:p>
             <a:fld id="{FDE934FF-F4E1-47C5-9CA5-30A81DDE2BE4}" type="datetimeFigureOut">
               <a:rPr lang="en-US" smtClean="0"/>
+              <a:t>19/07/19</a:t>
             </a:fld>
             <a:endParaRPr lang="en-US"/>
           </a:p>
@@ -1866,6 +1854,7 @@
           <a:p>
             <a:fld id="{B3561BA9-CDCF-4958-B8AB-66F3BF063E13}" type="slidenum">
               <a:rPr lang="en-US" smtClean="0"/>
+              <a:t>‹#›</a:t>
             </a:fld>
             <a:endParaRPr lang="en-US"/>
           </a:p>
@@ -1936,6 +1925,7 @@
           <a:p>
             <a:fld id="{FDE934FF-F4E1-47C5-9CA5-30A81DDE2BE4}" type="datetimeFigureOut">
               <a:rPr lang="en-US" smtClean="0"/>
+              <a:t>19/07/19</a:t>
             </a:fld>
             <a:endParaRPr lang="en-US"/>
           </a:p>
@@ -1977,6 +1967,7 @@
           <a:p>
             <a:fld id="{B3561BA9-CDCF-4958-B8AB-66F3BF063E13}" type="slidenum">
               <a:rPr lang="en-US" smtClean="0"/>
+              <a:t>‹#›</a:t>
             </a:fld>
             <a:endParaRPr lang="en-US"/>
           </a:p>
@@ -2024,6 +2015,7 @@
           <a:p>
             <a:fld id="{FDE934FF-F4E1-47C5-9CA5-30A81DDE2BE4}" type="datetimeFigureOut">
               <a:rPr lang="en-US" smtClean="0"/>
+              <a:t>19/07/19</a:t>
             </a:fld>
             <a:endParaRPr lang="en-US"/>
           </a:p>
@@ -2065,6 +2057,7 @@
           <a:p>
             <a:fld id="{B3561BA9-CDCF-4958-B8AB-66F3BF063E13}" type="slidenum">
               <a:rPr lang="en-US" smtClean="0"/>
+              <a:t>‹#›</a:t>
             </a:fld>
             <a:endParaRPr lang="en-US"/>
           </a:p>
@@ -2250,7 +2243,6 @@
               <a:rPr lang="en-US" smtClean="0"/>
               <a:t>Click to edit Master text styles</a:t>
             </a:r>
-            <a:endParaRPr lang="en-US" smtClean="0"/>
           </a:p>
         </p:txBody>
       </p:sp>
@@ -2271,6 +2263,7 @@
           <a:p>
             <a:fld id="{FDE934FF-F4E1-47C5-9CA5-30A81DDE2BE4}" type="datetimeFigureOut">
               <a:rPr lang="en-US" smtClean="0"/>
+              <a:t>19/07/19</a:t>
             </a:fld>
             <a:endParaRPr lang="en-US"/>
           </a:p>
@@ -2312,6 +2305,7 @@
           <a:p>
             <a:fld id="{B3561BA9-CDCF-4958-B8AB-66F3BF063E13}" type="slidenum">
               <a:rPr lang="en-US" smtClean="0"/>
+              <a:t>‹#›</a:t>
             </a:fld>
             <a:endParaRPr lang="en-US"/>
           </a:p>
@@ -2325,7 +2319,7 @@
   <p:timing>
     <p:tnLst>
       <p:par>
-        <p:cTn id="1" dur="indefinite" restart="never" nodeType="tmRoot"/>
+        <p:cTn xmlns:p14="http://schemas.microsoft.com/office/powerpoint/2010/main" id="1" dur="indefinite" restart="never" nodeType="tmRoot"/>
       </p:par>
     </p:tnLst>
   </p:timing>
@@ -2402,7 +2396,6 @@
               <a:rPr lang="en-US" smtClean="0"/>
               <a:t>Click to edit Master text styles</a:t>
             </a:r>
-            <a:endParaRPr lang="en-US" smtClean="0"/>
           </a:p>
           <a:p>
             <a:pPr lvl="1"/>
@@ -2410,7 +2403,6 @@
               <a:rPr lang="en-US" smtClean="0"/>
               <a:t>Second level</a:t>
             </a:r>
-            <a:endParaRPr lang="en-US" smtClean="0"/>
           </a:p>
           <a:p>
             <a:pPr lvl="2"/>
@@ -2418,7 +2410,6 @@
               <a:rPr lang="en-US" smtClean="0"/>
               <a:t>Third level</a:t>
             </a:r>
-            <a:endParaRPr lang="en-US" smtClean="0"/>
           </a:p>
           <a:p>
             <a:pPr lvl="3"/>
@@ -2426,7 +2417,6 @@
               <a:rPr lang="en-US" smtClean="0"/>
               <a:t>Fourth level</a:t>
             </a:r>
-            <a:endParaRPr lang="en-US" smtClean="0"/>
           </a:p>
           <a:p>
             <a:pPr lvl="4"/>
@@ -2455,6 +2445,7 @@
           <a:p>
             <a:fld id="{FDE934FF-F4E1-47C5-9CA5-30A81DDE2BE4}" type="datetimeFigureOut">
               <a:rPr lang="en-US" smtClean="0"/>
+              <a:t>19/07/19</a:t>
             </a:fld>
             <a:endParaRPr lang="en-US"/>
           </a:p>
@@ -2496,6 +2487,7 @@
           <a:p>
             <a:fld id="{B3561BA9-CDCF-4958-B8AB-66F3BF063E13}" type="slidenum">
               <a:rPr lang="en-US" smtClean="0"/>
+              <a:t>‹#›</a:t>
             </a:fld>
             <a:endParaRPr lang="en-US"/>
           </a:p>
@@ -2595,7 +2587,6 @@
               <a:rPr lang="en-US" smtClean="0"/>
               <a:t>Click to edit Master text styles</a:t>
             </a:r>
-            <a:endParaRPr lang="en-US" smtClean="0"/>
           </a:p>
           <a:p>
             <a:pPr lvl="1"/>
@@ -2603,7 +2594,6 @@
               <a:rPr lang="en-US" smtClean="0"/>
               <a:t>Second level</a:t>
             </a:r>
-            <a:endParaRPr lang="en-US" smtClean="0"/>
           </a:p>
           <a:p>
             <a:pPr lvl="2"/>
@@ -2611,7 +2601,6 @@
               <a:rPr lang="en-US" smtClean="0"/>
               <a:t>Third level</a:t>
             </a:r>
-            <a:endParaRPr lang="en-US" smtClean="0"/>
           </a:p>
           <a:p>
             <a:pPr lvl="3"/>
@@ -2619,7 +2608,6 @@
               <a:rPr lang="en-US" smtClean="0"/>
               <a:t>Fourth level</a:t>
             </a:r>
-            <a:endParaRPr lang="en-US" smtClean="0"/>
           </a:p>
           <a:p>
             <a:pPr lvl="4"/>
@@ -2666,6 +2654,7 @@
           <a:p>
             <a:fld id="{FDE934FF-F4E1-47C5-9CA5-30A81DDE2BE4}" type="datetimeFigureOut">
               <a:rPr lang="en-US" smtClean="0"/>
+              <a:t>19/07/19</a:t>
             </a:fld>
             <a:endParaRPr lang="en-US"/>
           </a:p>
@@ -2743,6 +2732,7 @@
           <a:p>
             <a:fld id="{B3561BA9-CDCF-4958-B8AB-66F3BF063E13}" type="slidenum">
               <a:rPr lang="en-US" smtClean="0"/>
+              <a:t>‹#›</a:t>
             </a:fld>
             <a:endParaRPr lang="en-US"/>
           </a:p>
@@ -3072,7 +3062,7 @@
           <p:nvPr/>
         </p:nvPicPr>
         <p:blipFill>
-          <a:blip r:embed="rId1"/>
+          <a:blip r:embed="rId3"/>
           <a:stretch>
             <a:fillRect/>
           </a:stretch>
@@ -3116,6 +3106,7 @@
           <a:bodyPr vert="eaVert" wrap="square" anchor="t">
             <a:spAutoFit/>
           </a:bodyPr>
+          <a:lstStyle/>
           <a:p>
             <a:pPr algn="r"/>
             <a:r>
@@ -3130,9 +3121,6 @@
               </a:rPr>
               <a:t>[1]</a:t>
             </a:r>
-            <a:endParaRPr lang="en-US" altLang="en-IN" sz="3200" b="1" baseline="30000">
-              <a:latin typeface="Arial" panose="020B0604020202020204" pitchFamily="34" charset="0"/>
-            </a:endParaRPr>
           </a:p>
         </p:txBody>
       </p:sp>
@@ -3145,7 +3133,7 @@
           <p:nvPr/>
         </p:nvPicPr>
         <p:blipFill>
-          <a:blip r:embed="rId2">
+          <a:blip r:embed="rId4">
             <a:extLst>
               <a:ext uri="{28A0092B-C50C-407E-A947-70E740481C1C}">
                 <a14:useLocalDpi xmlns:a14="http://schemas.microsoft.com/office/drawing/2010/main" val="0"/>
@@ -3394,9 +3382,6 @@
               </a:rPr>
               <a:t>[3]</a:t>
             </a:r>
-            <a:endParaRPr lang="en-IN" altLang="en-US" sz="3600" baseline="30000" dirty="0" smtClean="0">
-              <a:latin typeface="Arial" panose="020B0604020202020204" pitchFamily="34" charset="0"/>
-            </a:endParaRPr>
           </a:p>
         </p:txBody>
       </p:sp>
@@ -3409,7 +3394,7 @@
           <p:nvPr/>
         </p:nvPicPr>
         <p:blipFill>
-          <a:blip r:embed="rId3"/>
+          <a:blip r:embed="rId5"/>
           <a:stretch>
             <a:fillRect/>
           </a:stretch>
@@ -3633,11 +3618,6 @@
               </a:rPr>
               <a:t>:</a:t>
             </a:r>
-            <a:endParaRPr lang="en-IN" altLang="en-US" sz="2200" b="1" dirty="0" smtClean="0">
-              <a:latin typeface="Arial" panose="020B0604020202020204" pitchFamily="34" charset="0"/>
-              <a:ea typeface="Arial" panose="020B0604020202020204" pitchFamily="34" charset="0"/>
-              <a:cs typeface="Arial" panose="020B0604020202020204" pitchFamily="34" charset="0"/>
-            </a:endParaRPr>
           </a:p>
           <a:p>
             <a:r>
@@ -3792,11 +3772,6 @@
               </a:rPr>
               <a:t> in Pharmaceutical Products, Herbal Teas and Herbal Extracts Using GC-FID. Journal of Applied Pharmaceutical Science. 6. 144-150. 10.7324/JAPS.2016.601220. </a:t>
             </a:r>
-            <a:endParaRPr lang="en-US" altLang="zh-CN" sz="2200" dirty="0">
-              <a:latin typeface="Arial" panose="020B0604020202020204" pitchFamily="34" charset="0"/>
-              <a:ea typeface="Arial" panose="020B0604020202020204" pitchFamily="34" charset="0"/>
-              <a:cs typeface="Arial" panose="020B0604020202020204" pitchFamily="34" charset="0"/>
-            </a:endParaRPr>
           </a:p>
           <a:p>
             <a:r>
@@ -3895,11 +3870,6 @@
               </a:rPr>
               <a:t>10.5897/AJEST2014.1705</a:t>
             </a:r>
-            <a:endParaRPr lang="en-US" sz="2200" dirty="0" smtClean="0">
-              <a:latin typeface="Arial" panose="020B0604020202020204" pitchFamily="34" charset="0"/>
-              <a:ea typeface="Arial" panose="020B0604020202020204" pitchFamily="34" charset="0"/>
-              <a:cs typeface="Arial" panose="020B0604020202020204" pitchFamily="34" charset="0"/>
-            </a:endParaRPr>
           </a:p>
           <a:p>
             <a:r>
@@ -3976,9 +3946,6 @@
               </a:rPr>
               <a:t>-instruments</a:t>
             </a:r>
-            <a:endParaRPr lang="en-US" altLang="zh-CN" sz="2200" dirty="0" smtClean="0">
-              <a:latin typeface="Arial" panose="020B0604020202020204" pitchFamily="34" charset="0"/>
-            </a:endParaRPr>
           </a:p>
           <a:p>
             <a:r>
@@ -4009,9 +3976,6 @@
               </a:rPr>
               <a:t>The outline of the flower was taken from http://clipartmag.com/images/sunflower-black-and-white-clipart-11.jpg . All the other images are taken from Wikimedia</a:t>
             </a:r>
-            <a:endParaRPr lang="en-US" altLang="zh-CN" sz="2200" dirty="0">
-              <a:latin typeface="Arial" panose="020B0604020202020204" pitchFamily="34" charset="0"/>
-            </a:endParaRPr>
           </a:p>
         </p:txBody>
       </p:sp>
@@ -4271,10 +4235,6 @@
               </a:rPr>
               <a:t>) is an organized collection of plant volatile emissions, containing experimental records of essential oil composition data, from published reports.</a:t>
             </a:r>
-            <a:endParaRPr lang="en-IN" altLang="en-US" sz="3300" dirty="0">
-              <a:latin typeface="Times New Roman" panose="02020603050405020304" charset="0"/>
-              <a:cs typeface="Times New Roman" panose="02020603050405020304" charset="0"/>
-            </a:endParaRPr>
           </a:p>
         </p:txBody>
       </p:sp>
@@ -4537,10 +4497,6 @@
               </a:rPr>
               <a:t>.</a:t>
             </a:r>
-            <a:endParaRPr lang="en-US" altLang="zh-CN" sz="3300" dirty="0">
-              <a:latin typeface="Times New Roman" panose="02020603050405020304" charset="0"/>
-              <a:cs typeface="Times New Roman" panose="02020603050405020304" charset="0"/>
-            </a:endParaRPr>
           </a:p>
         </p:txBody>
       </p:sp>
@@ -4752,9 +4708,6 @@
               </a:rPr>
               <a:t>The most prominent essential oil produced by a particular species</a:t>
             </a:r>
-            <a:endParaRPr lang="en-IN" altLang="en-US" sz="3000" dirty="0">
-              <a:latin typeface="Times New Roman" panose="02020603050405020304" charset="0"/>
-            </a:endParaRPr>
           </a:p>
           <a:p>
             <a:pPr marL="457200" indent="-457200" algn="l">
@@ -4815,9 +4768,6 @@
               </a:rPr>
               <a:t>Seasonal changes in the production of essential oils</a:t>
             </a:r>
-            <a:endParaRPr lang="en-IN" altLang="en-US" sz="3000" dirty="0">
-              <a:latin typeface="Times New Roman" panose="02020603050405020304" charset="0"/>
-            </a:endParaRPr>
           </a:p>
         </p:txBody>
       </p:sp>
@@ -4906,11 +4856,6 @@
               </a:rPr>
               <a:t>Potential preventive and therapeutic  agents in pharmacology.</a:t>
             </a:r>
-            <a:endParaRPr lang="en-US" sz="2800">
-              <a:latin typeface="Times New Roman" panose="02020603050405020304" charset="0"/>
-              <a:ea typeface="Arial" panose="020B0604020202020204" pitchFamily="34" charset="0"/>
-              <a:cs typeface="Times New Roman" panose="02020603050405020304" charset="0"/>
-            </a:endParaRPr>
           </a:p>
           <a:p>
             <a:pPr marL="342900" indent="-342900">
@@ -4925,11 +4870,6 @@
               </a:rPr>
               <a:t>In aroma-therapy, for transdermal delivery of medicines.</a:t>
             </a:r>
-            <a:endParaRPr lang="en-US" sz="2800">
-              <a:latin typeface="Times New Roman" panose="02020603050405020304" charset="0"/>
-              <a:ea typeface="Arial" panose="020B0604020202020204" pitchFamily="34" charset="0"/>
-              <a:cs typeface="Times New Roman" panose="02020603050405020304" charset="0"/>
-            </a:endParaRPr>
           </a:p>
         </p:txBody>
       </p:sp>
@@ -5150,11 +5090,6 @@
               </a:rPr>
               <a:t> Shruthi M</a:t>
             </a:r>
-            <a:endParaRPr lang="en-US" sz="4800" b="1" dirty="0">
-              <a:latin typeface="Times New Roman" panose="02020603050405020304" charset="0"/>
-              <a:ea typeface="Comic Sans MS" panose="030F0702030302020204" charset="0"/>
-              <a:cs typeface="Times New Roman" panose="02020603050405020304" charset="0"/>
-            </a:endParaRPr>
           </a:p>
         </p:txBody>
       </p:sp>
@@ -5167,7 +5102,7 @@
           <p:nvPr/>
         </p:nvPicPr>
         <p:blipFill>
-          <a:blip r:embed="rId4"/>
+          <a:blip r:embed="rId6"/>
           <a:stretch>
             <a:fillRect/>
           </a:stretch>
@@ -5204,7 +5139,7 @@
           <p:nvPr/>
         </p:nvPicPr>
         <p:blipFill rotWithShape="1">
-          <a:blip r:embed="rId5"/>
+          <a:blip r:embed="rId7"/>
           <a:srcRect l="15399" t="28808" r="39699" b="16589"/>
           <a:stretch>
             <a:fillRect/>
@@ -5243,7 +5178,7 @@
           </a:prstGeom>
           <a:noFill/>
           <a:extLst>
-            <a:ext uri="{909E8E84-426E-40DD-AFC4-6F175D3DCCD1}">
+            <a:ext uri="{909E8E84-426E-40dd-AFC4-6F175D3DCCD1}">
               <a14:hiddenFill xmlns:a14="http://schemas.microsoft.com/office/drawing/2010/main">
                 <a:solidFill>
                   <a:srgbClr val="FFFFFF"/>
@@ -5269,7 +5204,7 @@
           <p:nvPr/>
         </p:nvPicPr>
         <p:blipFill rotWithShape="1">
-          <a:blip r:embed="rId6"/>
+          <a:blip r:embed="rId8"/>
           <a:srcRect l="35268" t="33972" r="15810" b="4384"/>
           <a:stretch>
             <a:fillRect/>
@@ -5299,7 +5234,7 @@
           <p:nvPr/>
         </p:nvPicPr>
         <p:blipFill>
-          <a:blip r:embed="rId7"/>
+          <a:blip r:embed="rId9"/>
           <a:stretch>
             <a:fillRect/>
           </a:stretch>
@@ -5346,7 +5281,6 @@
               <a:rPr lang="en-US" sz="3000" b="1" dirty="0" smtClean="0"/>
               <a:t>Fruits</a:t>
             </a:r>
-            <a:endParaRPr lang="en-US" sz="3000" b="1" dirty="0" smtClean="0"/>
           </a:p>
         </p:txBody>
       </p:sp>
@@ -5377,7 +5311,6 @@
               <a:rPr lang="en-US" sz="3000" b="1" dirty="0" smtClean="0"/>
               <a:t>Flowers</a:t>
             </a:r>
-            <a:endParaRPr lang="en-US" sz="3000" b="1" dirty="0" smtClean="0"/>
           </a:p>
         </p:txBody>
       </p:sp>
@@ -5408,7 +5341,6 @@
               <a:rPr lang="en-US" sz="3000" b="1" dirty="0" smtClean="0"/>
               <a:t>Leaves</a:t>
             </a:r>
-            <a:endParaRPr lang="en-US" sz="3000" b="1" dirty="0" smtClean="0"/>
           </a:p>
         </p:txBody>
       </p:sp>
@@ -5421,7 +5353,7 @@
           <p:nvPr/>
         </p:nvPicPr>
         <p:blipFill>
-          <a:blip r:embed="rId8"/>
+          <a:blip r:embed="rId10"/>
           <a:srcRect l="631" t="-409" r="675" b="4410"/>
           <a:stretch>
             <a:fillRect/>
@@ -5470,12 +5402,12 @@
           <a:bodyPr vert="eaVert" wrap="square" rtlCol="0">
             <a:spAutoFit/>
           </a:bodyPr>
+          <a:lstStyle/>
           <a:p>
             <a:r>
               <a:rPr lang="en-US" sz="3800" b="1"/>
               <a:t>β-caryophyllene</a:t>
             </a:r>
-            <a:endParaRPr lang="en-US" sz="3800" b="1"/>
           </a:p>
         </p:txBody>
       </p:sp>
@@ -5499,6 +5431,7 @@
           <a:bodyPr vert="eaVert" wrap="square" rtlCol="0">
             <a:spAutoFit/>
           </a:bodyPr>
+          <a:lstStyle/>
           <a:p>
             <a:r>
               <a:rPr lang="en-US" sz="3800" b="1">
@@ -5507,10 +5440,6 @@
               </a:rPr>
               <a:t>α-humulene</a:t>
             </a:r>
-            <a:endParaRPr lang="en-US" sz="3800" b="1">
-              <a:latin typeface="Shruti" charset="0"/>
-              <a:cs typeface="Shruti" charset="0"/>
-            </a:endParaRPr>
           </a:p>
         </p:txBody>
       </p:sp>
@@ -5534,6 +5463,7 @@
           <a:bodyPr vert="eaVert" wrap="square" rtlCol="0">
             <a:spAutoFit/>
           </a:bodyPr>
+          <a:lstStyle/>
           <a:p>
             <a:endParaRPr lang="en-US" sz="3600" b="1"/>
           </a:p>
@@ -5559,6 +5489,7 @@
           <a:bodyPr vert="eaVert" wrap="square" rtlCol="0">
             <a:spAutoFit/>
           </a:bodyPr>
+          <a:lstStyle/>
           <a:p>
             <a:r>
               <a:rPr lang="en-US" sz="3800" b="1">
@@ -5578,7 +5509,6 @@
               <a:rPr lang="en-IN" altLang="en-US" sz="3800" b="1"/>
               <a:t>D</a:t>
             </a:r>
-            <a:endParaRPr lang="en-IN" altLang="en-US" sz="3800" b="1"/>
           </a:p>
         </p:txBody>
       </p:sp>
@@ -5602,12 +5532,12 @@
           <a:bodyPr wrap="square" rtlCol="0">
             <a:spAutoFit/>
           </a:bodyPr>
+          <a:lstStyle/>
           <a:p>
             <a:r>
               <a:rPr lang="en-IN" altLang="en-US" sz="3800" b="1"/>
               <a:t>davanone</a:t>
             </a:r>
-            <a:endParaRPr lang="en-IN" altLang="en-US" sz="3800" b="1"/>
           </a:p>
         </p:txBody>
       </p:sp>
@@ -5631,6 +5561,7 @@
           <a:bodyPr wrap="square" rtlCol="0">
             <a:spAutoFit/>
           </a:bodyPr>
+          <a:lstStyle/>
           <a:p>
             <a:endParaRPr lang="en-US"/>
           </a:p>
@@ -5656,6 +5587,7 @@
           <a:bodyPr wrap="square" rtlCol="0">
             <a:spAutoFit/>
           </a:bodyPr>
+          <a:lstStyle/>
           <a:p>
             <a:r>
               <a:rPr lang="en-IN" altLang="en-US" sz="3800" b="1">
@@ -5664,10 +5596,6 @@
               </a:rPr>
               <a:t>γ-curcumene</a:t>
             </a:r>
-            <a:endParaRPr lang="en-IN" altLang="en-US" sz="3800" b="1">
-              <a:latin typeface="Shruti" charset="0"/>
-              <a:cs typeface="Shruti" charset="0"/>
-            </a:endParaRPr>
           </a:p>
         </p:txBody>
       </p:sp>
@@ -5691,6 +5619,7 @@
           <a:bodyPr wrap="square" rtlCol="0">
             <a:spAutoFit/>
           </a:bodyPr>
+          <a:lstStyle/>
           <a:p>
             <a:endParaRPr lang="en-US"/>
           </a:p>
@@ -5716,6 +5645,7 @@
           <a:bodyPr wrap="square" rtlCol="0">
             <a:spAutoFit/>
           </a:bodyPr>
+          <a:lstStyle/>
           <a:p>
             <a:r>
               <a:rPr lang="en-IN" altLang="en-US" sz="3800" b="1">
@@ -5724,10 +5654,6 @@
               </a:rPr>
               <a:t>sabinene</a:t>
             </a:r>
-            <a:endParaRPr lang="en-IN" altLang="en-US" sz="3800" b="1">
-              <a:latin typeface="Shruti" charset="0"/>
-              <a:cs typeface="Shruti" charset="0"/>
-            </a:endParaRPr>
           </a:p>
         </p:txBody>
       </p:sp>
@@ -5751,6 +5677,7 @@
           <a:bodyPr wrap="square" rtlCol="0">
             <a:spAutoFit/>
           </a:bodyPr>
+          <a:lstStyle/>
           <a:p>
             <a:r>
               <a:rPr lang="en-IN" altLang="en-US" sz="3800" b="1">
@@ -5759,10 +5686,6 @@
               </a:rPr>
               <a:t>β-elemene</a:t>
             </a:r>
-            <a:endParaRPr lang="en-IN" altLang="en-US" sz="3800" b="1">
-              <a:latin typeface="Shruti" charset="0"/>
-              <a:cs typeface="Shruti" charset="0"/>
-            </a:endParaRPr>
           </a:p>
         </p:txBody>
       </p:sp>
@@ -5786,6 +5709,7 @@
           <a:bodyPr wrap="square" rtlCol="0">
             <a:spAutoFit/>
           </a:bodyPr>
+          <a:lstStyle/>
           <a:p>
             <a:r>
               <a:rPr lang="en-IN" altLang="en-US" sz="3800" b="1">
@@ -5794,10 +5718,6 @@
               </a:rPr>
               <a:t>γ-cadinene</a:t>
             </a:r>
-            <a:endParaRPr lang="en-IN" altLang="en-US" sz="3800" b="1">
-              <a:latin typeface="Shruti" charset="0"/>
-              <a:cs typeface="Shruti" charset="0"/>
-            </a:endParaRPr>
           </a:p>
         </p:txBody>
       </p:sp>
@@ -5821,6 +5741,7 @@
           <a:bodyPr vert="eaVert" wrap="square" rtlCol="0">
             <a:spAutoFit/>
           </a:bodyPr>
+          <a:lstStyle/>
           <a:p>
             <a:r>
               <a:rPr lang="en-US" sz="3800" b="1">
@@ -5843,10 +5764,6 @@
               </a:rPr>
               <a:t>3-ol</a:t>
             </a:r>
-            <a:endParaRPr lang="en-US" sz="3800" b="1">
-              <a:latin typeface="Shruti" charset="0"/>
-              <a:cs typeface="Shruti" charset="0"/>
-            </a:endParaRPr>
           </a:p>
         </p:txBody>
       </p:sp>
@@ -5870,6 +5787,7 @@
           <a:bodyPr vert="eaVert" wrap="square" rtlCol="0">
             <a:spAutoFit/>
           </a:bodyPr>
+          <a:lstStyle/>
           <a:p>
             <a:r>
               <a:rPr lang="en-US" sz="3800" b="1">
@@ -5878,10 +5796,6 @@
               </a:rPr>
               <a:t>myrcene</a:t>
             </a:r>
-            <a:endParaRPr lang="en-US" sz="3800" b="1">
-              <a:latin typeface="Shruti" charset="0"/>
-              <a:cs typeface="Shruti" charset="0"/>
-            </a:endParaRPr>
           </a:p>
         </p:txBody>
       </p:sp>
@@ -5905,6 +5819,7 @@
           <a:bodyPr vert="eaVert" wrap="square" rtlCol="0">
             <a:spAutoFit/>
           </a:bodyPr>
+          <a:lstStyle/>
           <a:p>
             <a:r>
               <a:rPr lang="en-US" sz="3800" b="1">
@@ -5927,10 +5842,6 @@
               </a:rPr>
               <a:t>e</a:t>
             </a:r>
-            <a:endParaRPr lang="en-US" sz="3800" b="1">
-              <a:latin typeface="Shruti" charset="0"/>
-              <a:cs typeface="Shruti" charset="0"/>
-            </a:endParaRPr>
           </a:p>
         </p:txBody>
       </p:sp>
@@ -5954,6 +5865,7 @@
           <a:bodyPr wrap="square" rtlCol="0">
             <a:spAutoFit/>
           </a:bodyPr>
+          <a:lstStyle/>
           <a:p>
             <a:r>
               <a:rPr lang="en-US" sz="3800" b="1">
@@ -5962,10 +5874,6 @@
               </a:rPr>
               <a:t>linalool</a:t>
             </a:r>
-            <a:endParaRPr lang="en-US" sz="3800" b="1">
-              <a:latin typeface="Shruti" charset="0"/>
-              <a:cs typeface="Shruti" charset="0"/>
-            </a:endParaRPr>
           </a:p>
         </p:txBody>
       </p:sp>
@@ -5989,6 +5897,7 @@
           <a:bodyPr wrap="square" rtlCol="0">
             <a:spAutoFit/>
           </a:bodyPr>
+          <a:lstStyle/>
           <a:p>
             <a:r>
               <a:rPr lang="en-US" sz="3800" b="1">
@@ -5997,10 +5906,6 @@
               </a:rPr>
               <a:t>β-pinene</a:t>
             </a:r>
-            <a:endParaRPr lang="en-US" sz="3800" b="1">
-              <a:latin typeface="Shruti" charset="0"/>
-              <a:cs typeface="Shruti" charset="0"/>
-            </a:endParaRPr>
           </a:p>
         </p:txBody>
       </p:sp>
@@ -6024,6 +5929,7 @@
           <a:bodyPr wrap="square" rtlCol="0">
             <a:spAutoFit/>
           </a:bodyPr>
+          <a:lstStyle/>
           <a:p>
             <a:r>
               <a:rPr lang="en-US" sz="3600" b="1">
@@ -6032,10 +5938,6 @@
               </a:rPr>
               <a:t>α-phellandrene</a:t>
             </a:r>
-            <a:endParaRPr lang="en-US" sz="3600" b="1">
-              <a:latin typeface="Shruti" charset="0"/>
-              <a:cs typeface="Shruti" charset="0"/>
-            </a:endParaRPr>
           </a:p>
         </p:txBody>
       </p:sp>
@@ -6059,6 +5961,7 @@
           <a:bodyPr wrap="square" rtlCol="0">
             <a:spAutoFit/>
           </a:bodyPr>
+          <a:lstStyle/>
           <a:p>
             <a:r>
               <a:rPr lang="en-US" sz="3800" b="1">
@@ -6067,10 +5970,6 @@
               </a:rPr>
               <a:t>limonene</a:t>
             </a:r>
-            <a:endParaRPr lang="en-US" sz="3800" b="1">
-              <a:latin typeface="Shruti" charset="0"/>
-              <a:cs typeface="Shruti" charset="0"/>
-            </a:endParaRPr>
           </a:p>
         </p:txBody>
       </p:sp>
@@ -6094,6 +5993,7 @@
           <a:bodyPr wrap="square" rtlCol="0">
             <a:spAutoFit/>
           </a:bodyPr>
+          <a:lstStyle/>
           <a:p>
             <a:r>
               <a:rPr lang="en-US" sz="3800" b="1">
@@ -6102,10 +6002,6 @@
               </a:rPr>
               <a:t>α-terpineol</a:t>
             </a:r>
-            <a:endParaRPr lang="en-US" sz="3800" b="1">
-              <a:latin typeface="Shruti" charset="0"/>
-              <a:cs typeface="Shruti" charset="0"/>
-            </a:endParaRPr>
           </a:p>
         </p:txBody>
       </p:sp>
@@ -6118,7 +6014,7 @@
           <p:nvPr/>
         </p:nvPicPr>
         <p:blipFill>
-          <a:blip r:embed="rId9">
+          <a:blip r:embed="rId11">
             <a:lum bright="-24000" contrast="18000"/>
           </a:blip>
           <a:srcRect l="18733" t="14216" r="17424" b="17445"/>
@@ -6168,6 +6064,7 @@
           <a:bodyPr vert="eaVert" wrap="square" rtlCol="0">
             <a:spAutoFit/>
           </a:bodyPr>
+          <a:lstStyle/>
           <a:p>
             <a:pPr algn="ctr"/>
             <a:r>
@@ -6177,10 +6074,6 @@
               </a:rPr>
               <a:t>β-caryophyllene</a:t>
             </a:r>
-            <a:endParaRPr lang="en-US" sz="3600" b="1">
-              <a:latin typeface="Shruti" charset="0"/>
-              <a:cs typeface="Shruti" charset="0"/>
-            </a:endParaRPr>
           </a:p>
         </p:txBody>
       </p:sp>
@@ -6204,6 +6097,7 @@
           <a:bodyPr vert="eaVert" wrap="square" rtlCol="0">
             <a:spAutoFit/>
           </a:bodyPr>
+          <a:lstStyle/>
           <a:p>
             <a:pPr indent="0" algn="ctr">
               <a:buFont typeface="Arial" panose="020B0604020202020204" pitchFamily="34" charset="0"/>
@@ -6216,10 +6110,6 @@
               </a:rPr>
               <a:t>α-humulene</a:t>
             </a:r>
-            <a:endParaRPr lang="en-US" sz="3600" b="1">
-              <a:latin typeface="Shruti" charset="0"/>
-              <a:cs typeface="Shruti" charset="0"/>
-            </a:endParaRPr>
           </a:p>
         </p:txBody>
       </p:sp>
@@ -6252,6 +6142,7 @@
           <a:bodyPr wrap="square" rtlCol="0">
             <a:spAutoFit/>
           </a:bodyPr>
+          <a:lstStyle/>
           <a:p>
             <a:pPr algn="ctr"/>
             <a:r>
@@ -6261,10 +6152,6 @@
               </a:rPr>
               <a:t>compound</a:t>
             </a:r>
-            <a:endParaRPr lang="en-IN" altLang="en-US" sz="3600" b="1">
-              <a:latin typeface="Shruti" charset="0"/>
-              <a:cs typeface="Shruti" charset="0"/>
-            </a:endParaRPr>
           </a:p>
           <a:p>
             <a:pPr algn="just"/>
@@ -6275,10 +6162,6 @@
               </a:rPr>
               <a:t>{Records: ca. 7157}</a:t>
             </a:r>
-            <a:endParaRPr lang="en-IN" altLang="en-US" sz="3600">
-              <a:latin typeface="Shruti" charset="0"/>
-              <a:cs typeface="Shruti" charset="0"/>
-            </a:endParaRPr>
           </a:p>
         </p:txBody>
       </p:sp>
@@ -6291,7 +6174,7 @@
           <p:nvPr/>
         </p:nvPicPr>
         <p:blipFill>
-          <a:blip r:embed="rId10"/>
+          <a:blip r:embed="rId12"/>
           <a:stretch>
             <a:fillRect/>
           </a:stretch>
@@ -6355,7 +6238,7 @@
           <p:nvPr/>
         </p:nvPicPr>
         <p:blipFill>
-          <a:blip r:embed="rId11"/>
+          <a:blip r:embed="rId13"/>
           <a:stretch>
             <a:fillRect/>
           </a:stretch>
@@ -6391,7 +6274,7 @@
           <p:nvPr/>
         </p:nvPicPr>
         <p:blipFill>
-          <a:blip r:embed="rId12"/>
+          <a:blip r:embed="rId14"/>
           <a:stretch>
             <a:fillRect/>
           </a:stretch>
@@ -6455,7 +6338,7 @@
           <p:nvPr/>
         </p:nvPicPr>
         <p:blipFill>
-          <a:blip r:embed="rId13"/>
+          <a:blip r:embed="rId15"/>
           <a:srcRect l="26870" t="34033" r="57668" b="38694"/>
           <a:stretch>
             <a:fillRect/>
@@ -6487,7 +6370,7 @@
           <p:nvPr/>
         </p:nvPicPr>
         <p:blipFill>
-          <a:blip r:embed="rId13"/>
+          <a:blip r:embed="rId15"/>
           <a:srcRect l="26994" t="15129" r="54321" b="81745"/>
           <a:stretch>
             <a:fillRect/>
@@ -6531,7 +6414,7 @@
             </a:solidFill>
           </a:ln>
           <a:extLst>
-            <a:ext uri="{909E8E84-426E-40DD-AFC4-6F175D3DCCD1}">
+            <a:ext uri="{909E8E84-426E-40dd-AFC4-6F175D3DCCD1}">
               <a14:hiddenFill xmlns:a14="http://schemas.microsoft.com/office/drawing/2010/main">
                 <a:solidFill>
                   <a:schemeClr val="lt1"/>
@@ -6556,6 +6439,7 @@
         </p:style>
         <p:txBody>
           <a:bodyPr rtlCol="0" anchor="ctr"/>
+          <a:lstStyle/>
           <a:p>
             <a:pPr algn="ctr"/>
             <a:endParaRPr lang="en-US"/>
@@ -6583,7 +6467,7 @@
             </a:solidFill>
           </a:ln>
           <a:extLst>
-            <a:ext uri="{909E8E84-426E-40DD-AFC4-6F175D3DCCD1}">
+            <a:ext uri="{909E8E84-426E-40dd-AFC4-6F175D3DCCD1}">
               <a14:hiddenFill xmlns:a14="http://schemas.microsoft.com/office/drawing/2010/main">
                 <a:solidFill>
                   <a:schemeClr val="lt1"/>
@@ -6608,6 +6492,7 @@
         </p:style>
         <p:txBody>
           <a:bodyPr rtlCol="0" anchor="ctr"/>
+          <a:lstStyle/>
           <a:p>
             <a:pPr algn="ctr"/>
             <a:endParaRPr lang="en-US"/>
@@ -6635,7 +6520,7 @@
             </a:solidFill>
           </a:ln>
           <a:extLst>
-            <a:ext uri="{909E8E84-426E-40DD-AFC4-6F175D3DCCD1}">
+            <a:ext uri="{909E8E84-426E-40dd-AFC4-6F175D3DCCD1}">
               <a14:hiddenFill xmlns:a14="http://schemas.microsoft.com/office/drawing/2010/main">
                 <a:solidFill>
                   <a:schemeClr val="lt1"/>
@@ -6660,6 +6545,7 @@
         </p:style>
         <p:txBody>
           <a:bodyPr rtlCol="0" anchor="ctr"/>
+          <a:lstStyle/>
           <a:p>
             <a:pPr algn="ctr"/>
             <a:endParaRPr lang="en-US"/>
@@ -6702,6 +6588,7 @@
         </p:style>
         <p:txBody>
           <a:bodyPr rtlCol="0" anchor="ctr"/>
+          <a:lstStyle/>
           <a:p>
             <a:pPr algn="ctr"/>
             <a:endParaRPr lang="en-US"/>
@@ -6741,6 +6628,7 @@
         </p:style>
         <p:txBody>
           <a:bodyPr rtlCol="0" anchor="ctr"/>
+          <a:lstStyle/>
           <a:p>
             <a:pPr algn="ctr"/>
             <a:endParaRPr lang="en-US"/>
@@ -6780,6 +6668,7 @@
         </p:style>
         <p:txBody>
           <a:bodyPr rtlCol="0" anchor="ctr"/>
+          <a:lstStyle/>
           <a:p>
             <a:pPr algn="ctr"/>
             <a:endParaRPr lang="en-US">
@@ -6823,6 +6712,7 @@
         </p:style>
         <p:txBody>
           <a:bodyPr rtlCol="0" anchor="ctr"/>
+          <a:lstStyle/>
           <a:p>
             <a:pPr algn="ctr"/>
             <a:endParaRPr lang="en-US"/>
@@ -6862,6 +6752,7 @@
         </p:style>
         <p:txBody>
           <a:bodyPr rtlCol="0" anchor="ctr"/>
+          <a:lstStyle/>
           <a:p>
             <a:pPr algn="ctr"/>
             <a:endParaRPr lang="en-US"/>
@@ -6877,7 +6768,7 @@
           <p:nvPr/>
         </p:nvPicPr>
         <p:blipFill>
-          <a:blip r:embed="rId14"/>
+          <a:blip r:embed="rId16"/>
           <a:srcRect l="51884" t="27831" r="17282" b="1047"/>
           <a:stretch>
             <a:fillRect/>
@@ -6919,6 +6810,7 @@
           <a:bodyPr wrap="square" rtlCol="0">
             <a:spAutoFit/>
           </a:bodyPr>
+          <a:lstStyle/>
           <a:p>
             <a:r>
               <a:rPr lang="en-US" sz="3600"/>
@@ -6939,7 +6831,6 @@
               <a:rPr lang="en-US" sz="3600" baseline="30000"/>
               <a:t>[4]</a:t>
             </a:r>
-            <a:endParaRPr lang="en-US" sz="3600" baseline="30000"/>
           </a:p>
         </p:txBody>
       </p:sp>
@@ -6974,6 +6865,7 @@
         </p:style>
         <p:txBody>
           <a:bodyPr rtlCol="0" anchor="ctr"/>
+          <a:lstStyle/>
           <a:p>
             <a:pPr algn="ctr"/>
             <a:endParaRPr lang="en-US"/>
@@ -6989,7 +6881,7 @@
           <p:nvPr/>
         </p:nvPicPr>
         <p:blipFill>
-          <a:blip r:embed="rId15"/>
+          <a:blip r:embed="rId17"/>
           <a:stretch>
             <a:fillRect/>
           </a:stretch>
@@ -7034,6 +6926,7 @@
           <a:bodyPr wrap="square" rtlCol="0">
             <a:spAutoFit/>
           </a:bodyPr>
+          <a:lstStyle/>
           <a:p>
             <a:r>
               <a:rPr lang="en-US" sz="3000">
@@ -7044,12 +6937,6 @@
               </a:rPr>
               <a:t>Record of the experimental conditions and metadata.</a:t>
             </a:r>
-            <a:endParaRPr lang="en-US" sz="3000">
-              <a:ln>
-                <a:noFill/>
-              </a:ln>
-              <a:effectLst/>
-            </a:endParaRPr>
           </a:p>
         </p:txBody>
       </p:sp>
@@ -7078,12 +6965,12 @@
           <a:bodyPr wrap="square" rtlCol="0">
             <a:spAutoFit/>
           </a:bodyPr>
+          <a:lstStyle/>
           <a:p>
             <a:r>
               <a:rPr lang="en-US" sz="3000"/>
               <a:t> This is the chemical data associated with a profile</a:t>
             </a:r>
-            <a:endParaRPr lang="en-US" sz="3000"/>
           </a:p>
         </p:txBody>
       </p:sp>
@@ -7108,7 +6995,7 @@
             </a:solidFill>
           </a:ln>
           <a:extLst>
-            <a:ext uri="{909E8E84-426E-40DD-AFC4-6F175D3DCCD1}">
+            <a:ext uri="{909E8E84-426E-40dd-AFC4-6F175D3DCCD1}">
               <a14:hiddenFill xmlns:a14="http://schemas.microsoft.com/office/drawing/2010/main">
                 <a:solidFill>
                   <a:schemeClr val="accent1"/>
@@ -7135,6 +7022,7 @@
         </p:style>
         <p:txBody>
           <a:bodyPr rtlCol="0" anchor="ctr"/>
+          <a:lstStyle/>
           <a:p>
             <a:pPr algn="ctr"/>
             <a:endParaRPr lang="en-US"/>
@@ -7203,13 +7091,13 @@
           <a:bodyPr wrap="square" rtlCol="0">
             <a:spAutoFit/>
           </a:bodyPr>
+          <a:lstStyle/>
           <a:p>
             <a:pPr algn="ctr"/>
             <a:r>
               <a:rPr lang="en-IN" altLang="en-US" sz="4000" b="1" dirty="0" err="1"/>
               <a:t>plant</a:t>
             </a:r>
-            <a:endParaRPr lang="en-IN" altLang="en-US" sz="4000" b="1" dirty="0" err="1"/>
           </a:p>
           <a:p>
             <a:pPr algn="ctr"/>
@@ -7217,7 +7105,6 @@
               <a:rPr lang="en-US" altLang="en-IN" sz="4000" dirty="0"/>
               <a:t>{Records:  ca 1800}</a:t>
             </a:r>
-            <a:endParaRPr lang="en-US" altLang="en-IN" sz="4000" dirty="0"/>
           </a:p>
         </p:txBody>
       </p:sp>
@@ -7254,6 +7141,7 @@
         </p:style>
         <p:txBody>
           <a:bodyPr rtlCol="0" anchor="ctr"/>
+          <a:lstStyle/>
           <a:p>
             <a:pPr algn="ctr"/>
             <a:endParaRPr lang="en-US"/>
@@ -7295,6 +7183,7 @@
           <a:bodyPr wrap="square" rtlCol="0">
             <a:spAutoFit/>
           </a:bodyPr>
+          <a:lstStyle/>
           <a:p>
             <a:r>
               <a:rPr lang="en-US" sz="3200" b="1" u="sng">
@@ -7316,10 +7205,6 @@
               </a:rPr>
               <a:t>Creation of EssOilDB is an attempt to provide a systematic compilation of essential oil profiles along with the details of their sources for the benefit of not only scientific community but also for the layman, entrepreneurs and farmers in exploring volatiles and their properties. As evident from the benchmarking analysis presented here, EssOilDB is the first and only database that enables a rigorous scientific assessment of plant essential oils in context of their surroundings and in a comparative manner.</a:t>
             </a:r>
-            <a:endParaRPr lang="en-US" sz="3000">
-              <a:latin typeface="Times New Roman" panose="02020603050405020304" charset="0"/>
-              <a:cs typeface="Times New Roman" panose="02020603050405020304" charset="0"/>
-            </a:endParaRPr>
           </a:p>
         </p:txBody>
       </p:sp>
@@ -7343,13 +7228,13 @@
           <a:bodyPr wrap="square" rtlCol="0">
             <a:spAutoFit/>
           </a:bodyPr>
+          <a:lstStyle/>
           <a:p>
             <a:pPr algn="ctr"/>
             <a:r>
               <a:rPr lang="en-US" sz="3000"/>
               <a:t>Most commonly used  parts of Lantana</a:t>
             </a:r>
-            <a:endParaRPr lang="en-US" sz="3000"/>
           </a:p>
         </p:txBody>
       </p:sp>
@@ -7461,7 +7346,7 @@
           <p:nvPr/>
         </p:nvPicPr>
         <p:blipFill>
-          <a:blip r:embed="rId16">
+          <a:blip r:embed="rId18">
             <a:lum bright="-18000" contrast="18000"/>
           </a:blip>
           <a:srcRect l="395" t="20553" r="-395" b="24490"/>
@@ -7505,6 +7390,7 @@
           <a:bodyPr wrap="square" rtlCol="0">
             <a:spAutoFit/>
           </a:bodyPr>
+          <a:lstStyle/>
           <a:p>
             <a:pPr algn="ctr"/>
             <a:r>
@@ -7514,10 +7400,6 @@
               </a:rPr>
               <a:t>Davanone</a:t>
             </a:r>
-            <a:endParaRPr lang="en-US" sz="3600" b="1">
-              <a:latin typeface="Shruti" charset="0"/>
-              <a:cs typeface="Shruti" charset="0"/>
-            </a:endParaRPr>
           </a:p>
         </p:txBody>
       </p:sp>
@@ -7557,6 +7439,7 @@
         </p:style>
         <p:txBody>
           <a:bodyPr rtlCol="0" anchor="ctr"/>
+          <a:lstStyle/>
           <a:p>
             <a:pPr algn="ctr"/>
             <a:endParaRPr lang="en-US"/>
@@ -7572,7 +7455,7 @@
           <p:nvPr/>
         </p:nvPicPr>
         <p:blipFill>
-          <a:blip r:embed="rId17">
+          <a:blip r:embed="rId19">
             <a:grayscl/>
             <a:lum bright="-24000" contrast="24000"/>
           </a:blip>
@@ -7623,6 +7506,7 @@
           <a:bodyPr vert="eaVert" wrap="square" rtlCol="0">
             <a:spAutoFit/>
           </a:bodyPr>
+          <a:lstStyle/>
           <a:p>
             <a:pPr algn="ctr"/>
             <a:r>
@@ -7639,10 +7523,6 @@
               </a:rPr>
               <a:t>rmacrene D</a:t>
             </a:r>
-            <a:endParaRPr lang="en-IN" altLang="en-US" sz="3600" b="1">
-              <a:latin typeface="Shruti" charset="0"/>
-              <a:cs typeface="Shruti" charset="0"/>
-            </a:endParaRPr>
           </a:p>
         </p:txBody>
       </p:sp>
@@ -7655,7 +7535,7 @@
           <p:nvPr/>
         </p:nvPicPr>
         <p:blipFill>
-          <a:blip r:embed="rId18">
+          <a:blip r:embed="rId20">
             <a:lum bright="-18000" contrast="18000"/>
           </a:blip>
           <a:srcRect l="23603" t="2774" r="12588" b="2120"/>
@@ -7698,6 +7578,7 @@
           <a:bodyPr wrap="square" rtlCol="0">
             <a:spAutoFit/>
           </a:bodyPr>
+          <a:lstStyle/>
           <a:p>
             <a:pPr algn="ctr"/>
             <a:r>
@@ -7707,10 +7588,6 @@
               </a:rPr>
               <a:t>γ-curcumene</a:t>
             </a:r>
-            <a:endParaRPr lang="en-IN" altLang="en-US" sz="3800" b="1">
-              <a:latin typeface="Shruti" charset="0"/>
-              <a:cs typeface="Shruti" charset="0"/>
-            </a:endParaRPr>
           </a:p>
         </p:txBody>
       </p:sp>
@@ -7723,7 +7600,7 @@
           <p:nvPr/>
         </p:nvPicPr>
         <p:blipFill>
-          <a:blip r:embed="rId19"/>
+          <a:blip r:embed="rId21"/>
           <a:srcRect r="17990" b="4930"/>
           <a:stretch>
             <a:fillRect/>
@@ -7790,6 +7667,7 @@
         </p:style>
         <p:txBody>
           <a:bodyPr rtlCol="0" anchor="ctr"/>
+          <a:lstStyle/>
           <a:p>
             <a:pPr algn="ctr"/>
             <a:endParaRPr lang="en-US" sz="1400"/>
@@ -7834,6 +7712,7 @@
         </p:style>
         <p:txBody>
           <a:bodyPr rtlCol="0" anchor="ctr"/>
+          <a:lstStyle/>
           <a:p>
             <a:pPr algn="ctr"/>
             <a:endParaRPr lang="en-US" sz="1400"/>
@@ -7845,6 +7724,13 @@
   <p:clrMapOvr>
     <a:masterClrMapping/>
   </p:clrMapOvr>
+  <p:timing>
+    <p:tnLst>
+      <p:par>
+        <p:cTn xmlns:p14="http://schemas.microsoft.com/office/powerpoint/2010/main" id="1" dur="indefinite" restart="never" nodeType="tmRoot"/>
+      </p:par>
+    </p:tnLst>
+  </p:timing>
 </p:sld>
 </file>
 
@@ -8099,9 +7985,11 @@
       </a:bgFillStyleLst>
     </a:fmtScheme>
   </a:themeElements>
+  <a:objectDefaults/>
+  <a:extraClrSchemeLst/>
   <a:extLst>
     <a:ext uri="{05A4C25C-085E-4340-85A3-A5531E510DB2}">
-      <thm15:themeFamily xmlns:thm15="http://schemas.microsoft.com/office/thememl/2012/main" name="Office Theme" id="{62F939B6-93AF-4DB8-9C6B-D6C7DFDC589F}" vid="{4A3C46E8-61CC-4603-A589-7422A47A8E4A}"/>
+      <thm15:themeFamily xmlns:thm15="http://schemas.microsoft.com/office/thememl/2012/main" xmlns="" name="Office Theme" id="{62F939B6-93AF-4DB8-9C6B-D6C7DFDC589F}" vid="{4A3C46E8-61CC-4603-A589-7422A47A8E4A}"/>
     </a:ext>
   </a:extLst>
 </a:theme>
@@ -8358,9 +8246,11 @@
       </a:bgFillStyleLst>
     </a:fmtScheme>
   </a:themeElements>
+  <a:objectDefaults/>
+  <a:extraClrSchemeLst/>
   <a:extLst>
     <a:ext uri="{05A4C25C-085E-4340-85A3-A5531E510DB2}">
-      <thm15:themeFamily xmlns:thm15="http://schemas.microsoft.com/office/thememl/2012/main" name="Office Theme" id="{62F939B6-93AF-4DB8-9C6B-D6C7DFDC589F}" vid="{4A3C46E8-61CC-4603-A589-7422A47A8E4A}"/>
+      <thm15:themeFamily xmlns:thm15="http://schemas.microsoft.com/office/thememl/2012/main" xmlns="" name="Office Theme" id="{62F939B6-93AF-4DB8-9C6B-D6C7DFDC589F}" vid="{4A3C46E8-61CC-4603-A589-7422A47A8E4A}"/>
     </a:ext>
   </a:extLst>
 </a:theme>
